--- a/Undertale_AUについて.pptx
+++ b/Undertale_AUについて.pptx
@@ -104,6 +104,11 @@
       </a:defRPr>
     </a:lvl9pPr>
   </p:defaultTextStyle>
+  <p:extLst>
+    <p:ext uri="{EFAFB233-063F-42B5-8137-9DF3F51BA10A}">
+      <p15:sldGuideLst xmlns:p15="http://schemas.microsoft.com/office/powerpoint/2012/main"/>
+    </p:ext>
+  </p:extLst>
 </p:presentation>
 </file>
 
@@ -3753,6 +3758,94 @@
           </a:p>
         </p:txBody>
       </p:sp>
+      <p:sp>
+        <p:nvSpPr>
+          <p:cNvPr id="2" name="テキスト ボックス 1">
+            <a:extLst>
+              <a:ext uri="{FF2B5EF4-FFF2-40B4-BE49-F238E27FC236}">
+                <a16:creationId xmlns:a16="http://schemas.microsoft.com/office/drawing/2014/main" id="{C3CDED8C-67FF-4415-9F29-AAF1022D314C}"/>
+              </a:ext>
+            </a:extLst>
+          </p:cNvPr>
+          <p:cNvSpPr txBox="1"/>
+          <p:nvPr/>
+        </p:nvSpPr>
+        <p:spPr>
+          <a:xfrm>
+            <a:off x="1259456" y="3847381"/>
+            <a:ext cx="9506309" cy="830997"/>
+          </a:xfrm>
+          <a:prstGeom prst="rect">
+            <a:avLst/>
+          </a:prstGeom>
+          <a:noFill/>
+        </p:spPr>
+        <p:txBody>
+          <a:bodyPr wrap="square" rtlCol="0">
+            <a:spAutoFit/>
+          </a:bodyPr>
+          <a:lstStyle/>
+          <a:p>
+            <a:r>
+              <a:rPr lang="ja-JP" altLang="en-US" sz="2400" dirty="0"/>
+              <a:t>ストーリー系だったら</a:t>
+            </a:r>
+            <a:r>
+              <a:rPr lang="en-US" altLang="ja-JP" sz="2400" dirty="0"/>
+              <a:t>…</a:t>
+            </a:r>
+            <a:r>
+              <a:rPr lang="ja-JP" altLang="en-US" sz="2400" dirty="0"/>
+              <a:t>戦闘はなしでマップどちらかというとホラー要素など別の要素をつぎ込む必要あり</a:t>
+            </a:r>
+            <a:endParaRPr kumimoji="1" lang="ja-JP" altLang="en-US" sz="2400" dirty="0"/>
+          </a:p>
+        </p:txBody>
+      </p:sp>
+      <p:sp>
+        <p:nvSpPr>
+          <p:cNvPr id="7" name="テキスト ボックス 6">
+            <a:extLst>
+              <a:ext uri="{FF2B5EF4-FFF2-40B4-BE49-F238E27FC236}">
+                <a16:creationId xmlns:a16="http://schemas.microsoft.com/office/drawing/2014/main" id="{96B5627E-CF37-4160-8CAD-E67A79127BC5}"/>
+              </a:ext>
+            </a:extLst>
+          </p:cNvPr>
+          <p:cNvSpPr txBox="1"/>
+          <p:nvPr/>
+        </p:nvSpPr>
+        <p:spPr>
+          <a:xfrm>
+            <a:off x="1259456" y="4983164"/>
+            <a:ext cx="9506309" cy="830997"/>
+          </a:xfrm>
+          <a:prstGeom prst="rect">
+            <a:avLst/>
+          </a:prstGeom>
+          <a:noFill/>
+        </p:spPr>
+        <p:txBody>
+          <a:bodyPr wrap="square" rtlCol="0">
+            <a:spAutoFit/>
+          </a:bodyPr>
+          <a:lstStyle/>
+          <a:p>
+            <a:r>
+              <a:rPr lang="ja-JP" altLang="en-US" sz="2400" dirty="0"/>
+              <a:t>戦闘系だったら</a:t>
+            </a:r>
+            <a:r>
+              <a:rPr lang="en-US" altLang="ja-JP" sz="2400" dirty="0"/>
+              <a:t>…</a:t>
+            </a:r>
+            <a:r>
+              <a:rPr lang="ja-JP" altLang="en-US" sz="2400" dirty="0"/>
+              <a:t>まず、戦う相手を決める。その後原作とは違う要素を足して原作と（全部）被らないようにする</a:t>
+            </a:r>
+            <a:endParaRPr kumimoji="1" lang="ja-JP" altLang="en-US" sz="2400" dirty="0"/>
+          </a:p>
+        </p:txBody>
+      </p:sp>
     </p:spTree>
     <p:extLst>
       <p:ext uri="{BB962C8B-B14F-4D97-AF65-F5344CB8AC3E}">

--- a/Undertale_AUについて.pptx
+++ b/Undertale_AUについて.pptx
@@ -6,6 +6,7 @@
   </p:sldMasterIdLst>
   <p:sldIdLst>
     <p:sldId id="256" r:id="rId2"/>
+    <p:sldId id="257" r:id="rId3"/>
   </p:sldIdLst>
   <p:sldSz cx="12192000" cy="6858000"/>
   <p:notesSz cx="6858000" cy="9144000"/>
@@ -3859,6 +3860,170 @@
 </p:sld>
 </file>
 
+<file path=ppt/slides/slide2.xml><?xml version="1.0" encoding="utf-8"?>
+<p:sld xmlns:a="http://schemas.openxmlformats.org/drawingml/2006/main" xmlns:r="http://schemas.openxmlformats.org/officeDocument/2006/relationships" xmlns:p="http://schemas.openxmlformats.org/presentationml/2006/main">
+  <p:cSld>
+    <p:spTree>
+      <p:nvGrpSpPr>
+        <p:cNvPr id="1" name=""/>
+        <p:cNvGrpSpPr/>
+        <p:nvPr/>
+      </p:nvGrpSpPr>
+      <p:grpSpPr>
+        <a:xfrm>
+          <a:off x="0" y="0"/>
+          <a:ext cx="0" cy="0"/>
+          <a:chOff x="0" y="0"/>
+          <a:chExt cx="0" cy="0"/>
+        </a:xfrm>
+      </p:grpSpPr>
+      <p:sp>
+        <p:nvSpPr>
+          <p:cNvPr id="2" name="テキスト ボックス 1">
+            <a:extLst>
+              <a:ext uri="{FF2B5EF4-FFF2-40B4-BE49-F238E27FC236}">
+                <a16:creationId xmlns:a16="http://schemas.microsoft.com/office/drawing/2014/main" id="{19269924-19FF-4CF6-9AEF-B6531F63DFF3}"/>
+              </a:ext>
+            </a:extLst>
+          </p:cNvPr>
+          <p:cNvSpPr txBox="1"/>
+          <p:nvPr/>
+        </p:nvSpPr>
+        <p:spPr>
+          <a:xfrm>
+            <a:off x="707366" y="569343"/>
+            <a:ext cx="10627743" cy="369332"/>
+          </a:xfrm>
+          <a:prstGeom prst="rect">
+            <a:avLst/>
+          </a:prstGeom>
+          <a:noFill/>
+        </p:spPr>
+        <p:txBody>
+          <a:bodyPr wrap="square" rtlCol="0">
+            <a:noAutofit/>
+          </a:bodyPr>
+          <a:lstStyle/>
+          <a:p>
+            <a:r>
+              <a:rPr kumimoji="1" lang="ja-JP" altLang="en-US" sz="2400" dirty="0"/>
+              <a:t>戦闘系のメリット・デメリット</a:t>
+            </a:r>
+            <a:endParaRPr kumimoji="1" lang="en-US" altLang="ja-JP" sz="2400" dirty="0"/>
+          </a:p>
+          <a:p>
+            <a:r>
+              <a:rPr lang="ja-JP" altLang="en-US" sz="2400" dirty="0"/>
+              <a:t>・メリット</a:t>
+            </a:r>
+            <a:r>
+              <a:rPr lang="en-US" altLang="ja-JP" sz="2400" dirty="0"/>
+              <a:t>…</a:t>
+            </a:r>
+            <a:r>
+              <a:rPr lang="ja-JP" altLang="en-US" sz="2400" dirty="0"/>
+              <a:t>ストーリーやマップを考える必要がなく単純に戦闘シーンだけ考えるだけでいい</a:t>
+            </a:r>
+            <a:endParaRPr lang="en-US" altLang="ja-JP" sz="2400" dirty="0"/>
+          </a:p>
+          <a:p>
+            <a:r>
+              <a:rPr kumimoji="1" lang="ja-JP" altLang="en-US" sz="2400" dirty="0"/>
+              <a:t>・デメリット</a:t>
+            </a:r>
+            <a:r>
+              <a:rPr kumimoji="1" lang="en-US" altLang="ja-JP" sz="2400" dirty="0"/>
+              <a:t>…</a:t>
+            </a:r>
+            <a:r>
+              <a:rPr kumimoji="1" lang="ja-JP" altLang="en-US" sz="2400" dirty="0"/>
+              <a:t>その分、戦闘シーンを凝らないと内容が薄くなる</a:t>
+            </a:r>
+          </a:p>
+        </p:txBody>
+      </p:sp>
+      <p:sp>
+        <p:nvSpPr>
+          <p:cNvPr id="3" name="テキスト ボックス 2">
+            <a:extLst>
+              <a:ext uri="{FF2B5EF4-FFF2-40B4-BE49-F238E27FC236}">
+                <a16:creationId xmlns:a16="http://schemas.microsoft.com/office/drawing/2014/main" id="{A0155ADB-F966-462A-B11F-DC7A9E2CC935}"/>
+              </a:ext>
+            </a:extLst>
+          </p:cNvPr>
+          <p:cNvSpPr txBox="1"/>
+          <p:nvPr/>
+        </p:nvSpPr>
+        <p:spPr>
+          <a:xfrm>
+            <a:off x="707365" y="2757577"/>
+            <a:ext cx="10627743" cy="369332"/>
+          </a:xfrm>
+          <a:prstGeom prst="rect">
+            <a:avLst/>
+          </a:prstGeom>
+          <a:noFill/>
+        </p:spPr>
+        <p:txBody>
+          <a:bodyPr wrap="square" rtlCol="0">
+            <a:noAutofit/>
+          </a:bodyPr>
+          <a:lstStyle/>
+          <a:p>
+            <a:r>
+              <a:rPr lang="ja-JP" altLang="en-US" sz="2400" dirty="0"/>
+              <a:t>ストーリー</a:t>
+            </a:r>
+            <a:r>
+              <a:rPr kumimoji="1" lang="ja-JP" altLang="en-US" sz="2400" dirty="0"/>
+              <a:t>系のメリット・デメリット</a:t>
+            </a:r>
+            <a:endParaRPr kumimoji="1" lang="en-US" altLang="ja-JP" sz="2400" dirty="0"/>
+          </a:p>
+          <a:p>
+            <a:r>
+              <a:rPr lang="ja-JP" altLang="en-US" sz="2400" dirty="0"/>
+              <a:t>・メリット</a:t>
+            </a:r>
+            <a:r>
+              <a:rPr lang="en-US" altLang="ja-JP" sz="2400" dirty="0"/>
+              <a:t>…</a:t>
+            </a:r>
+            <a:r>
+              <a:rPr lang="ja-JP" altLang="en-US" sz="2400" dirty="0"/>
+              <a:t>ストーリーやマップを作り、イベントを起こすだけなので全体としては簡単</a:t>
+            </a:r>
+            <a:endParaRPr lang="en-US" altLang="ja-JP" sz="2400" dirty="0"/>
+          </a:p>
+          <a:p>
+            <a:r>
+              <a:rPr kumimoji="1" lang="ja-JP" altLang="en-US" sz="2400" dirty="0"/>
+              <a:t>・デメリット</a:t>
+            </a:r>
+            <a:r>
+              <a:rPr kumimoji="1" lang="en-US" altLang="ja-JP" sz="2400" dirty="0"/>
+              <a:t>…</a:t>
+            </a:r>
+            <a:r>
+              <a:rPr kumimoji="1" lang="ja-JP" altLang="en-US" sz="2400" dirty="0"/>
+              <a:t>一つ一つのイベントをしっかり作らないと組み立てるのが大変</a:t>
+            </a:r>
+          </a:p>
+        </p:txBody>
+      </p:sp>
+    </p:spTree>
+    <p:extLst>
+      <p:ext uri="{BB962C8B-B14F-4D97-AF65-F5344CB8AC3E}">
+        <p14:creationId xmlns:p14="http://schemas.microsoft.com/office/powerpoint/2010/main" val="244104012"/>
+      </p:ext>
+    </p:extLst>
+  </p:cSld>
+  <p:clrMapOvr>
+    <a:masterClrMapping/>
+  </p:clrMapOvr>
+</p:sld>
+</file>
+
 <file path=ppt/theme/theme1.xml><?xml version="1.0" encoding="utf-8"?>
 <a:theme xmlns:a="http://schemas.openxmlformats.org/drawingml/2006/main" name="Office テーマ">
   <a:themeElements>
